--- a/2025_SMDM/02_Theory.pptx
+++ b/2025_SMDM/02_Theory.pptx
@@ -153,10 +153,10 @@
 <file path=ppt/revisionInfo.xml><?xml version="1.0" encoding="utf-8"?>
 <p1510:revInfo xmlns:a="http://schemas.openxmlformats.org/drawingml/2006/main" xmlns:r="http://schemas.openxmlformats.org/officeDocument/2006/relationships" xmlns:p1510="http://schemas.microsoft.com/office/powerpoint/2015/10/main">
   <p1510:revLst>
+    <p1510:client id="{1C754E17-F4C1-DA44-68A0-12F0D9E02299}" v="163" dt="2024-10-24T12:00:46.280"/>
+    <p1510:client id="{3386F1E1-383E-54AC-6936-A35E2C84F8C8}" v="124" dt="2024-10-24T11:56:16.523"/>
+    <p1510:client id="{B75E930D-5E45-1C43-B22A-EB7A887D4510}" v="826" dt="2024-10-24T17:46:57.136"/>
     <p1510:client id="{EF2D0F1B-141F-5943-3652-63BD3E557E8F}" v="112" dt="2024-10-24T12:02:55.926"/>
-    <p1510:client id="{B75E930D-5E45-1C43-B22A-EB7A887D4510}" v="826" dt="2024-10-24T17:46:57.136"/>
-    <p1510:client id="{3386F1E1-383E-54AC-6936-A35E2C84F8C8}" v="124" dt="2024-10-24T11:56:16.523"/>
-    <p1510:client id="{1C754E17-F4C1-DA44-68A0-12F0D9E02299}" v="163" dt="2024-10-24T12:00:46.280"/>
   </p1510:revLst>
 </p1510:revInfo>
 </file>
@@ -243,7 +243,7 @@
           <a:p>
             <a:fld id="{E033252C-ECEF-0044-BF19-FBFB46CE84A2}" type="datetimeFigureOut">
               <a:rPr lang="en-US" smtClean="0"/>
-              <a:t>10/31/24</a:t>
+              <a:t>6/12/25</a:t>
             </a:fld>
             <a:endParaRPr lang="en-US"/>
           </a:p>
@@ -766,7 +766,7 @@
           <a:p>
             <a:fld id="{6A8FB48A-BFC4-2846-8228-6201ABA4D0C5}" type="datetimeFigureOut">
               <a:rPr lang="en-US" smtClean="0"/>
-              <a:t>10/31/24</a:t>
+              <a:t>6/12/25</a:t>
             </a:fld>
             <a:endParaRPr lang="en-US"/>
           </a:p>
@@ -964,7 +964,7 @@
           <a:p>
             <a:fld id="{6A8FB48A-BFC4-2846-8228-6201ABA4D0C5}" type="datetimeFigureOut">
               <a:rPr lang="en-US" smtClean="0"/>
-              <a:t>10/31/24</a:t>
+              <a:t>6/12/25</a:t>
             </a:fld>
             <a:endParaRPr lang="en-US"/>
           </a:p>
@@ -1172,7 +1172,7 @@
           <a:p>
             <a:fld id="{6A8FB48A-BFC4-2846-8228-6201ABA4D0C5}" type="datetimeFigureOut">
               <a:rPr lang="en-US" smtClean="0"/>
-              <a:t>10/31/24</a:t>
+              <a:t>6/12/25</a:t>
             </a:fld>
             <a:endParaRPr lang="en-US"/>
           </a:p>
@@ -1370,7 +1370,7 @@
           <a:p>
             <a:fld id="{6A8FB48A-BFC4-2846-8228-6201ABA4D0C5}" type="datetimeFigureOut">
               <a:rPr lang="en-US" smtClean="0"/>
-              <a:t>10/31/24</a:t>
+              <a:t>6/12/25</a:t>
             </a:fld>
             <a:endParaRPr lang="en-US"/>
           </a:p>
@@ -1645,7 +1645,7 @@
           <a:p>
             <a:fld id="{6A8FB48A-BFC4-2846-8228-6201ABA4D0C5}" type="datetimeFigureOut">
               <a:rPr lang="en-US" smtClean="0"/>
-              <a:t>10/31/24</a:t>
+              <a:t>6/12/25</a:t>
             </a:fld>
             <a:endParaRPr lang="en-US"/>
           </a:p>
@@ -1910,7 +1910,7 @@
           <a:p>
             <a:fld id="{6A8FB48A-BFC4-2846-8228-6201ABA4D0C5}" type="datetimeFigureOut">
               <a:rPr lang="en-US" smtClean="0"/>
-              <a:t>10/31/24</a:t>
+              <a:t>6/12/25</a:t>
             </a:fld>
             <a:endParaRPr lang="en-US"/>
           </a:p>
@@ -2322,7 +2322,7 @@
           <a:p>
             <a:fld id="{6A8FB48A-BFC4-2846-8228-6201ABA4D0C5}" type="datetimeFigureOut">
               <a:rPr lang="en-US" smtClean="0"/>
-              <a:t>10/31/24</a:t>
+              <a:t>6/12/25</a:t>
             </a:fld>
             <a:endParaRPr lang="en-US"/>
           </a:p>
@@ -2463,7 +2463,7 @@
           <a:p>
             <a:fld id="{6A8FB48A-BFC4-2846-8228-6201ABA4D0C5}" type="datetimeFigureOut">
               <a:rPr lang="en-US" smtClean="0"/>
-              <a:t>10/31/24</a:t>
+              <a:t>6/12/25</a:t>
             </a:fld>
             <a:endParaRPr lang="en-US"/>
           </a:p>
@@ -2576,7 +2576,7 @@
           <a:p>
             <a:fld id="{6A8FB48A-BFC4-2846-8228-6201ABA4D0C5}" type="datetimeFigureOut">
               <a:rPr lang="en-US" smtClean="0"/>
-              <a:t>10/31/24</a:t>
+              <a:t>6/12/25</a:t>
             </a:fld>
             <a:endParaRPr lang="en-US"/>
           </a:p>
@@ -2887,7 +2887,7 @@
           <a:p>
             <a:fld id="{6A8FB48A-BFC4-2846-8228-6201ABA4D0C5}" type="datetimeFigureOut">
               <a:rPr lang="en-US" smtClean="0"/>
-              <a:t>10/31/24</a:t>
+              <a:t>6/12/25</a:t>
             </a:fld>
             <a:endParaRPr lang="en-US"/>
           </a:p>
@@ -3175,7 +3175,7 @@
           <a:p>
             <a:fld id="{6A8FB48A-BFC4-2846-8228-6201ABA4D0C5}" type="datetimeFigureOut">
               <a:rPr lang="en-US" smtClean="0"/>
-              <a:t>10/31/24</a:t>
+              <a:t>6/12/25</a:t>
             </a:fld>
             <a:endParaRPr lang="en-US"/>
           </a:p>
@@ -3416,7 +3416,7 @@
           <a:p>
             <a:fld id="{6A8FB48A-BFC4-2846-8228-6201ABA4D0C5}" type="datetimeFigureOut">
               <a:rPr lang="en-US" smtClean="0"/>
-              <a:t>10/31/24</a:t>
+              <a:t>6/12/25</a:t>
             </a:fld>
             <a:endParaRPr lang="en-US"/>
           </a:p>
@@ -3857,7 +3857,7 @@
         </p:nvGraphicFramePr>
         <p:xfrm>
           <a:off x="1208690" y="942340"/>
-          <a:ext cx="10720551" cy="4699000"/>
+          <a:ext cx="10720551" cy="4973320"/>
         </p:xfrm>
         <a:graphic>
           <a:graphicData uri="http://schemas.openxmlformats.org/drawingml/2006/table">
@@ -4556,10 +4556,10 @@
       </p:sp>
       <p:sp>
         <p:nvSpPr>
-          <p:cNvPr id="2" name="TextBox 1">
+          <p:cNvPr id="3" name="TextBox 2">
             <a:extLst>
               <a:ext uri="{FF2B5EF4-FFF2-40B4-BE49-F238E27FC236}">
-                <a16:creationId xmlns:a16="http://schemas.microsoft.com/office/drawing/2014/main" id="{696FB621-0F70-DF5F-7F7A-719FEC9269B6}"/>
+                <a16:creationId xmlns:a16="http://schemas.microsoft.com/office/drawing/2014/main" id="{B380354A-241B-4487-1B74-C4EDB47A554C}"/>
               </a:ext>
             </a:extLst>
           </p:cNvPr>
@@ -4569,7 +4569,7 @@
         <p:spPr>
           <a:xfrm>
             <a:off x="1208690" y="310250"/>
-            <a:ext cx="5017656" cy="461665"/>
+            <a:ext cx="4609082" cy="461665"/>
           </a:xfrm>
           <a:prstGeom prst="rect">
             <a:avLst/>
@@ -4584,7 +4584,7 @@
           <a:p>
             <a:r>
               <a:rPr lang="en-US" sz="2400" dirty="0"/>
-              <a:t>Sunday 27</a:t>
+              <a:t>Sunday 15</a:t>
             </a:r>
             <a:r>
               <a:rPr lang="en-US" sz="2400" baseline="30000" dirty="0"/>
@@ -4592,7 +4592,7 @@
             </a:r>
             <a:r>
               <a:rPr lang="en-US" sz="2400" dirty="0"/>
-              <a:t> of October 8:30 to 12:00</a:t>
+              <a:t> of June, 9:00 to 12:30</a:t>
             </a:r>
           </a:p>
         </p:txBody>
@@ -11992,7 +11992,7 @@
             <p:spPr/>
             <p:txBody>
               <a:bodyPr>
-                <a:normAutofit fontScale="92500"/>
+                <a:normAutofit fontScale="92500" lnSpcReduction="10000"/>
               </a:bodyPr>
               <a:lstStyle/>
               <a:p>
@@ -12090,7 +12090,7 @@
               <a:blipFill>
                 <a:blip r:embed="rId3"/>
                 <a:stretch>
-                  <a:fillRect l="-1956" t="-2339" r="-2200"/>
+                  <a:fillRect l="-2200" t="-2616"/>
                 </a:stretch>
               </a:blipFill>
             </p:spPr>
@@ -17286,8 +17286,8 @@
           </a:xfrm>
         </p:spPr>
       </p:pic>
-      <mc:AlternateContent xmlns:mc="http://schemas.openxmlformats.org/markup-compatibility/2006">
-        <mc:Choice xmlns:a14="http://schemas.microsoft.com/office/drawing/2010/main" Requires="a14">
+      <mc:AlternateContent xmlns:mc="http://schemas.openxmlformats.org/markup-compatibility/2006" xmlns:a14="http://schemas.microsoft.com/office/drawing/2010/main">
+        <mc:Choice Requires="a14">
           <p:sp>
             <p:nvSpPr>
               <p:cNvPr id="16" name="TextBox 15">
@@ -17394,7 +17394,7 @@
             </p:txBody>
           </p:sp>
         </mc:Choice>
-        <mc:Fallback>
+        <mc:Fallback xmlns="">
           <p:sp>
             <p:nvSpPr>
               <p:cNvPr id="16" name="TextBox 15">
@@ -19182,10 +19182,10 @@
       </p:sp>
       <p:sp>
         <p:nvSpPr>
-          <p:cNvPr id="2" name="TextBox 1">
+          <p:cNvPr id="3" name="TextBox 2">
             <a:extLst>
               <a:ext uri="{FF2B5EF4-FFF2-40B4-BE49-F238E27FC236}">
-                <a16:creationId xmlns:a16="http://schemas.microsoft.com/office/drawing/2014/main" id="{F20AFC78-1411-1F67-1A0D-D9B1339F40EE}"/>
+                <a16:creationId xmlns:a16="http://schemas.microsoft.com/office/drawing/2014/main" id="{CECA8CE2-1DD3-1AF4-39AE-4CEEF45CF3E5}"/>
               </a:ext>
             </a:extLst>
           </p:cNvPr>
@@ -19195,7 +19195,7 @@
         <p:spPr>
           <a:xfrm>
             <a:off x="1208690" y="310250"/>
-            <a:ext cx="5017656" cy="461665"/>
+            <a:ext cx="4609082" cy="461665"/>
           </a:xfrm>
           <a:prstGeom prst="rect">
             <a:avLst/>
@@ -19210,7 +19210,7 @@
           <a:p>
             <a:r>
               <a:rPr lang="en-US" sz="2400" dirty="0"/>
-              <a:t>Sunday 27</a:t>
+              <a:t>Sunday 15</a:t>
             </a:r>
             <a:r>
               <a:rPr lang="en-US" sz="2400" baseline="30000" dirty="0"/>
@@ -19218,7 +19218,7 @@
             </a:r>
             <a:r>
               <a:rPr lang="en-US" sz="2400" dirty="0"/>
-              <a:t> of October 8:30 to 12:00</a:t>
+              <a:t> of June, 9:00 to 12:30</a:t>
             </a:r>
           </a:p>
         </p:txBody>
@@ -21653,17 +21653,6 @@
 </file>
 
 <file path=customXml/item1.xml><?xml version="1.0" encoding="utf-8"?>
-<p:properties xmlns:p="http://schemas.microsoft.com/office/2006/metadata/properties" xmlns:xsi="http://www.w3.org/2001/XMLSchema-instance" xmlns:pc="http://schemas.microsoft.com/office/infopath/2007/PartnerControls">
-  <documentManagement>
-    <TaxCatchAll xmlns="b6c9d19c-b34a-4cf4-8ebf-64c63fc48083" xsi:nil="true"/>
-    <lcf76f155ced4ddcb4097134ff3c332f xmlns="33f92c16-e346-46b5-ac57-2b519ac4cf68">
-      <Terms xmlns="http://schemas.microsoft.com/office/infopath/2007/PartnerControls"/>
-    </lcf76f155ced4ddcb4097134ff3c332f>
-  </documentManagement>
-</p:properties>
-</file>
-
-<file path=customXml/item2.xml><?xml version="1.0" encoding="utf-8"?>
 <ct:contentTypeSchema xmlns:ct="http://schemas.microsoft.com/office/2006/metadata/contentType" xmlns:ma="http://schemas.microsoft.com/office/2006/metadata/properties/metaAttributes" ct:_="" ma:_="" ma:contentTypeName="Document" ma:contentTypeID="0x0101007069032936BB004A979B3FCE77DE1EB1" ma:contentTypeVersion="16" ma:contentTypeDescription="Create a new document." ma:contentTypeScope="" ma:versionID="59b39aa881a230c9f06045ed60478b88">
   <xsd:schema xmlns:xsd="http://www.w3.org/2001/XMLSchema" xmlns:xs="http://www.w3.org/2001/XMLSchema" xmlns:p="http://schemas.microsoft.com/office/2006/metadata/properties" xmlns:ns2="33f92c16-e346-46b5-ac57-2b519ac4cf68" xmlns:ns3="0efde304-9646-43d8-8eee-5b1a55ab17f1" xmlns:ns4="b6c9d19c-b34a-4cf4-8ebf-64c63fc48083" targetNamespace="http://schemas.microsoft.com/office/2006/metadata/properties" ma:root="true" ma:fieldsID="c596c03b60b8e16cee14ab235af6374a" ns2:_="" ns3:_="" ns4:_="">
     <xsd:import namespace="33f92c16-e346-46b5-ac57-2b519ac4cf68"/>
@@ -21903,6 +21892,17 @@
 </ct:contentTypeSchema>
 </file>
 
+<file path=customXml/item2.xml><?xml version="1.0" encoding="utf-8"?>
+<p:properties xmlns:p="http://schemas.microsoft.com/office/2006/metadata/properties" xmlns:xsi="http://www.w3.org/2001/XMLSchema-instance" xmlns:pc="http://schemas.microsoft.com/office/infopath/2007/PartnerControls">
+  <documentManagement>
+    <TaxCatchAll xmlns="b6c9d19c-b34a-4cf4-8ebf-64c63fc48083" xsi:nil="true"/>
+    <lcf76f155ced4ddcb4097134ff3c332f xmlns="33f92c16-e346-46b5-ac57-2b519ac4cf68">
+      <Terms xmlns="http://schemas.microsoft.com/office/infopath/2007/PartnerControls"/>
+    </lcf76f155ced4ddcb4097134ff3c332f>
+  </documentManagement>
+</p:properties>
+</file>
+
 <file path=customXml/item3.xml><?xml version="1.0" encoding="utf-8"?>
 <?mso-contentType ?>
 <FormTemplates xmlns="http://schemas.microsoft.com/sharepoint/v3/contenttype/forms">
@@ -21913,24 +21913,6 @@
 </file>
 
 <file path=customXml/itemProps1.xml><?xml version="1.0" encoding="utf-8"?>
-<ds:datastoreItem xmlns:ds="http://schemas.openxmlformats.org/officeDocument/2006/customXml" ds:itemID="{E709C047-1DE0-4980-A90A-4D5EFC165D2C}">
-  <ds:schemaRefs>
-    <ds:schemaRef ds:uri="0efde304-9646-43d8-8eee-5b1a55ab17f1"/>
-    <ds:schemaRef ds:uri="33f92c16-e346-46b5-ac57-2b519ac4cf68"/>
-    <ds:schemaRef ds:uri="b6c9d19c-b34a-4cf4-8ebf-64c63fc48083"/>
-    <ds:schemaRef ds:uri="http://purl.org/dc/dcmitype/"/>
-    <ds:schemaRef ds:uri="http://purl.org/dc/elements/1.1/"/>
-    <ds:schemaRef ds:uri="http://purl.org/dc/terms/"/>
-    <ds:schemaRef ds:uri="http://schemas.microsoft.com/office/2006/documentManagement/types"/>
-    <ds:schemaRef ds:uri="http://schemas.microsoft.com/office/2006/metadata/properties"/>
-    <ds:schemaRef ds:uri="http://schemas.microsoft.com/office/infopath/2007/PartnerControls"/>
-    <ds:schemaRef ds:uri="http://schemas.openxmlformats.org/package/2006/metadata/core-properties"/>
-    <ds:schemaRef ds:uri="http://www.w3.org/XML/1998/namespace"/>
-  </ds:schemaRefs>
-</ds:datastoreItem>
-</file>
-
-<file path=customXml/itemProps2.xml><?xml version="1.0" encoding="utf-8"?>
 <ds:datastoreItem xmlns:ds="http://schemas.openxmlformats.org/officeDocument/2006/customXml" ds:itemID="{2D7DA705-6300-4113-B183-485198D9C84E}">
   <ds:schemaRefs>
     <ds:schemaRef ds:uri="0efde304-9646-43d8-8eee-5b1a55ab17f1"/>
@@ -21950,6 +21932,24 @@
 </ds:datastoreItem>
 </file>
 
+<file path=customXml/itemProps2.xml><?xml version="1.0" encoding="utf-8"?>
+<ds:datastoreItem xmlns:ds="http://schemas.openxmlformats.org/officeDocument/2006/customXml" ds:itemID="{E709C047-1DE0-4980-A90A-4D5EFC165D2C}">
+  <ds:schemaRefs>
+    <ds:schemaRef ds:uri="0efde304-9646-43d8-8eee-5b1a55ab17f1"/>
+    <ds:schemaRef ds:uri="33f92c16-e346-46b5-ac57-2b519ac4cf68"/>
+    <ds:schemaRef ds:uri="b6c9d19c-b34a-4cf4-8ebf-64c63fc48083"/>
+    <ds:schemaRef ds:uri="http://purl.org/dc/dcmitype/"/>
+    <ds:schemaRef ds:uri="http://purl.org/dc/elements/1.1/"/>
+    <ds:schemaRef ds:uri="http://purl.org/dc/terms/"/>
+    <ds:schemaRef ds:uri="http://schemas.microsoft.com/office/2006/documentManagement/types"/>
+    <ds:schemaRef ds:uri="http://schemas.microsoft.com/office/2006/metadata/properties"/>
+    <ds:schemaRef ds:uri="http://schemas.microsoft.com/office/infopath/2007/PartnerControls"/>
+    <ds:schemaRef ds:uri="http://schemas.openxmlformats.org/package/2006/metadata/core-properties"/>
+    <ds:schemaRef ds:uri="http://www.w3.org/XML/1998/namespace"/>
+  </ds:schemaRefs>
+</ds:datastoreItem>
+</file>
+
 <file path=customXml/itemProps3.xml><?xml version="1.0" encoding="utf-8"?>
 <ds:datastoreItem xmlns:ds="http://schemas.openxmlformats.org/officeDocument/2006/customXml" ds:itemID="{EF0BFC65-ABD5-40EA-BAE0-821B9D6524E8}">
   <ds:schemaRefs>
